--- a/Results and Conclusion/Presentation.pptx
+++ b/Results and Conclusion/Presentation.pptx
@@ -28,16 +28,23 @@
       <p:regular r:id="rId14"/>
     </p:embeddedFont>
     <p:embeddedFont>
-      <p:font typeface="Helvetica Neue" panose="02000503000000020004" pitchFamily="2" charset="0"/>
+      <p:font typeface="Calibri" panose="020F0502020204030204" pitchFamily="34" charset="0"/>
       <p:regular r:id="rId15"/>
       <p:bold r:id="rId16"/>
       <p:italic r:id="rId17"/>
       <p:boldItalic r:id="rId18"/>
     </p:embeddedFont>
     <p:embeddedFont>
-      <p:font typeface="Oswald" pitchFamily="2" charset="77"/>
+      <p:font typeface="Helvetica Neue" panose="02000503000000020004" pitchFamily="2" charset="0"/>
       <p:regular r:id="rId19"/>
       <p:bold r:id="rId20"/>
+      <p:italic r:id="rId21"/>
+      <p:boldItalic r:id="rId22"/>
+    </p:embeddedFont>
+    <p:embeddedFont>
+      <p:font typeface="Oswald" pitchFamily="2" charset="77"/>
+      <p:regular r:id="rId23"/>
+      <p:bold r:id="rId24"/>
     </p:embeddedFont>
   </p:embeddedFontLst>
   <p:defaultTextStyle>
@@ -305,7 +312,7 @@
       </p15:sldGuideLst>
     </p:ext>
     <p:ext uri="http://customooxmlschemas.google.com/">
-      <go:slidesCustomData xmlns:go="http://customooxmlschemas.google.com/" xmlns:ahyp="http://schemas.microsoft.com/office/drawing/2018/hyperlinkcolor" xmlns:p15="http://schemas.microsoft.com/office/powerpoint/2012/main" xmlns:p14="http://schemas.microsoft.com/office/powerpoint/2010/main" xmlns:com="http://schemas.openxmlformats.org/drawingml/2006/compatibility" xmlns:pvml="urn:schemas-microsoft-com:office:powerpoint" xmlns:v="urn:schemas-microsoft-com:vml" xmlns:o="urn:schemas-microsoft-com:office:office" xmlns:dgm="http://schemas.openxmlformats.org/drawingml/2006/diagram" xmlns:c="http://schemas.openxmlformats.org/drawingml/2006/chart" xmlns:mv="urn:schemas-microsoft-com:mac:vml" xmlns:mc="http://schemas.openxmlformats.org/markup-compatibility/2006" xmlns="" r:id="rId38" roundtripDataSignature="AMtx7mi/cL2OS/ojimfveO2UHaj/2NM+HQ=="/>
+      <go:slidesCustomData xmlns="" xmlns:mc="http://schemas.openxmlformats.org/markup-compatibility/2006" xmlns:mv="urn:schemas-microsoft-com:mac:vml" xmlns:c="http://schemas.openxmlformats.org/drawingml/2006/chart" xmlns:dgm="http://schemas.openxmlformats.org/drawingml/2006/diagram" xmlns:o="urn:schemas-microsoft-com:office:office" xmlns:v="urn:schemas-microsoft-com:vml" xmlns:pvml="urn:schemas-microsoft-com:office:powerpoint" xmlns:com="http://schemas.openxmlformats.org/drawingml/2006/compatibility" xmlns:p14="http://schemas.microsoft.com/office/powerpoint/2010/main" xmlns:p15="http://schemas.microsoft.com/office/powerpoint/2012/main" xmlns:ahyp="http://schemas.microsoft.com/office/drawing/2018/hyperlinkcolor" xmlns:go="http://customooxmlschemas.google.com/" r:id="rId38" roundtripDataSignature="AMtx7mi/cL2OS/ojimfveO2UHaj/2NM+HQ=="/>
     </p:ext>
   </p:extLst>
 </p:presentation>
@@ -9929,8 +9936,8 @@
         </p:nvSpPr>
         <p:spPr>
           <a:xfrm>
-            <a:off x="839787" y="1355226"/>
-            <a:ext cx="10512425" cy="3673974"/>
+            <a:off x="1208020" y="1271338"/>
+            <a:ext cx="9775960" cy="3233552"/>
           </a:xfrm>
           <a:prstGeom prst="rect">
             <a:avLst/>
@@ -10204,13 +10211,10 @@
                 <a:ea typeface="Helvetica Neue"/>
                 <a:cs typeface="Helvetica Neue"/>
               </a:rPr>
-              <a:t>Prediction of </a:t>
+              <a:t>Analysis of S&amp;P 500 sector performance</a:t>
             </a:r>
           </a:p>
           <a:p>
-            <a:pPr>
-              <a:buSzPts val="6500"/>
-            </a:pPr>
             <a:r>
               <a:rPr lang="en-AU" sz="8000" b="1" dirty="0">
                 <a:solidFill>
@@ -10220,7 +10224,7 @@
                 <a:ea typeface="Helvetica Neue"/>
                 <a:cs typeface="Helvetica Neue"/>
               </a:rPr>
-              <a:t>sector performance during </a:t>
+              <a:t>during </a:t>
             </a:r>
             <a:r>
               <a:rPr lang="en-AU" sz="8000" b="1" dirty="0">
@@ -10231,33 +10235,7 @@
                 <a:ea typeface="Helvetica Neue"/>
                 <a:cs typeface="Helvetica Neue"/>
               </a:rPr>
-              <a:t>crashes</a:t>
-            </a:r>
-            <a:br>
-              <a:rPr lang="en-US" sz="6500" b="1" dirty="0">
-                <a:solidFill>
-                  <a:schemeClr val="accent6"/>
-                </a:solidFill>
-                <a:highlight>
-                  <a:srgbClr val="008080"/>
-                </a:highlight>
-                <a:latin typeface="Helvetica Neue"/>
-                <a:ea typeface="Helvetica Neue"/>
-                <a:cs typeface="Helvetica Neue"/>
-                <a:sym typeface="Helvetica Neue"/>
-              </a:rPr>
-            </a:br>
-            <a:r>
-              <a:rPr lang="en-US" sz="2400" b="1" dirty="0">
-                <a:solidFill>
-                  <a:schemeClr val="tx1"/>
-                </a:solidFill>
-                <a:latin typeface="Helvetica Neue"/>
-                <a:ea typeface="Helvetica Neue"/>
-                <a:cs typeface="Helvetica Neue"/>
-                <a:sym typeface="Helvetica Neue"/>
-              </a:rPr>
-              <a:t>Performance analysis of 11 sectors in S&amp;P 500 during 4 crashes</a:t>
+              <a:t>crash</a:t>
             </a:r>
             <a:endParaRPr lang="en-US" dirty="0">
               <a:solidFill>
@@ -10285,13 +10263,13 @@
         </p:nvSpPr>
         <p:spPr>
           <a:xfrm>
-            <a:off x="5735183" y="5979715"/>
-            <a:ext cx="5617029" cy="402035"/>
+            <a:off x="9924177" y="5979715"/>
+            <a:ext cx="1428036" cy="402035"/>
           </a:xfrm>
         </p:spPr>
         <p:txBody>
           <a:bodyPr anchor="b" anchorCtr="0">
-            <a:normAutofit lnSpcReduction="10000"/>
+            <a:normAutofit fontScale="92500" lnSpcReduction="10000"/>
           </a:bodyPr>
           <a:lstStyle/>
           <a:p>
@@ -10299,34 +10277,124 @@
               <a:buNone/>
             </a:pPr>
             <a:r>
-              <a:rPr lang="en-US" sz="1400" dirty="0"/>
+              <a:rPr lang="en-AU" sz="1600" b="1" dirty="0">
+                <a:solidFill>
+                  <a:schemeClr val="tx1">
+                    <a:lumMod val="95000"/>
+                  </a:schemeClr>
+                </a:solidFill>
+                <a:latin typeface="Helvetica Neue" panose="02000503000000020004" pitchFamily="2" charset="0"/>
+                <a:ea typeface="Helvetica Neue" panose="02000503000000020004" pitchFamily="2" charset="0"/>
+                <a:cs typeface="Helvetica Neue" panose="02000503000000020004" pitchFamily="2" charset="0"/>
+              </a:rPr>
+              <a:t>By: </a:t>
+            </a:r>
+            <a:r>
+              <a:rPr lang="en-US" sz="1600" b="1" dirty="0">
+                <a:solidFill>
+                  <a:schemeClr val="tx1">
+                    <a:lumMod val="95000"/>
+                  </a:schemeClr>
+                </a:solidFill>
+                <a:latin typeface="Helvetica Neue" panose="02000503000000020004" pitchFamily="2" charset="0"/>
+                <a:ea typeface="Helvetica Neue" panose="02000503000000020004" pitchFamily="2" charset="0"/>
+                <a:cs typeface="Helvetica Neue" panose="02000503000000020004" pitchFamily="2" charset="0"/>
+              </a:rPr>
               <a:t>Ash </a:t>
             </a:r>
             <a:r>
-              <a:rPr lang="en-US" sz="1400" dirty="0">
+              <a:rPr lang="en-US" sz="1600" b="1" dirty="0">
+                <a:solidFill>
+                  <a:schemeClr val="tx1">
+                    <a:lumMod val="95000"/>
+                  </a:schemeClr>
+                </a:solidFill>
+                <a:latin typeface="Helvetica Neue" panose="02000503000000020004" pitchFamily="2" charset="0"/>
+                <a:ea typeface="Helvetica Neue" panose="02000503000000020004" pitchFamily="2" charset="0"/>
+                <a:cs typeface="Helvetica Neue" panose="02000503000000020004" pitchFamily="2" charset="0"/>
                 <a:sym typeface="Helvetica Neue"/>
               </a:rPr>
-              <a:t>Tao, Chris Burley, </a:t>
+              <a:t>Tao</a:t>
+            </a:r>
+            <a:endParaRPr lang="en-US" sz="1600" b="1" dirty="0">
+              <a:solidFill>
+                <a:schemeClr val="tx1">
+                  <a:lumMod val="95000"/>
+                </a:schemeClr>
+              </a:solidFill>
+              <a:latin typeface="Helvetica Neue" panose="02000503000000020004" pitchFamily="2" charset="0"/>
+              <a:ea typeface="Helvetica Neue" panose="02000503000000020004" pitchFamily="2" charset="0"/>
+              <a:cs typeface="Helvetica Neue" panose="02000503000000020004" pitchFamily="2" charset="0"/>
+            </a:endParaRPr>
+          </a:p>
+        </p:txBody>
+      </p:sp>
+      <p:sp>
+        <p:nvSpPr>
+          <p:cNvPr id="5" name="TextBox 4">
+            <a:extLst>
+              <a:ext uri="{FF2B5EF4-FFF2-40B4-BE49-F238E27FC236}">
+                <a16:creationId xmlns:a16="http://schemas.microsoft.com/office/drawing/2014/main" id="{E47D50D2-545B-8C40-895A-6C6EA17D529F}"/>
+              </a:ext>
+            </a:extLst>
+          </p:cNvPr>
+          <p:cNvSpPr txBox="1"/>
+          <p:nvPr/>
+        </p:nvSpPr>
+        <p:spPr>
+          <a:xfrm>
+            <a:off x="1208020" y="4504890"/>
+            <a:ext cx="4696947" cy="400110"/>
+          </a:xfrm>
+          <a:prstGeom prst="rect">
+            <a:avLst/>
+          </a:prstGeom>
+          <a:noFill/>
+        </p:spPr>
+        <p:txBody>
+          <a:bodyPr wrap="square">
+            <a:spAutoFit/>
+          </a:bodyPr>
+          <a:lstStyle/>
+          <a:p>
+            <a:pPr algn="r"/>
+            <a:r>
+              <a:rPr lang="en-US" sz="2000" b="1" dirty="0">
+                <a:solidFill>
+                  <a:schemeClr val="tx1"/>
+                </a:solidFill>
+                <a:latin typeface="Helvetica Neue"/>
+                <a:ea typeface="Helvetica Neue"/>
+                <a:cs typeface="Helvetica Neue"/>
+                <a:sym typeface="Helvetica Neue"/>
+              </a:rPr>
+              <a:t>Analysis of 11 sectors in </a:t>
             </a:r>
             <a:r>
-              <a:rPr lang="en-US" sz="1400" dirty="0" err="1">
+              <a:rPr lang="en-US" altLang="zh-CN" sz="2000" b="1" dirty="0">
+                <a:solidFill>
+                  <a:schemeClr val="tx1"/>
+                </a:solidFill>
+                <a:latin typeface="Helvetica Neue"/>
+                <a:ea typeface="Helvetica Neue"/>
+                <a:cs typeface="Helvetica Neue"/>
                 <a:sym typeface="Helvetica Neue"/>
               </a:rPr>
-              <a:t>Maica</a:t>
+              <a:t>the </a:t>
             </a:r>
             <a:r>
-              <a:rPr lang="en-US" sz="1400" dirty="0">
+              <a:rPr lang="en-US" sz="2000" b="1" dirty="0">
+                <a:solidFill>
+                  <a:schemeClr val="tx1"/>
+                </a:solidFill>
+                <a:latin typeface="Helvetica Neue"/>
+                <a:ea typeface="Helvetica Neue"/>
+                <a:cs typeface="Helvetica Neue"/>
                 <a:sym typeface="Helvetica Neue"/>
               </a:rPr>
-              <a:t> Tran and Sabrina </a:t>
+              <a:t>S&amp;P 500</a:t>
             </a:r>
-            <a:r>
-              <a:rPr lang="en-US" sz="1400" dirty="0" err="1">
-                <a:sym typeface="Helvetica Neue"/>
-              </a:rPr>
-              <a:t>Tsan</a:t>
-            </a:r>
-            <a:endParaRPr lang="en-US" sz="1400" dirty="0"/>
+            <a:endParaRPr lang="en-US" sz="2000" dirty="0"/>
           </a:p>
         </p:txBody>
       </p:sp>
@@ -12095,27 +12163,8 @@
                 <a:ea typeface="Helvetica Neue" panose="02000503000000020004" pitchFamily="2" charset="0"/>
                 <a:cs typeface="Helvetica Neue" panose="02000503000000020004" pitchFamily="2" charset="0"/>
               </a:rPr>
-              <a:t>Key Stakeholders: </a:t>
+              <a:t>Key Stakeholders: Investor who is interest in US Market </a:t>
             </a:r>
-            <a:r>
-              <a:rPr lang="en-US" sz="2400" b="1" dirty="0">
-                <a:highlight>
-                  <a:srgbClr val="008080"/>
-                </a:highlight>
-                <a:latin typeface="Helvetica Neue" panose="02000503000000020004" pitchFamily="2" charset="0"/>
-                <a:ea typeface="Helvetica Neue" panose="02000503000000020004" pitchFamily="2" charset="0"/>
-                <a:cs typeface="Helvetica Neue" panose="02000503000000020004" pitchFamily="2" charset="0"/>
-              </a:rPr>
-              <a:t>4 Big Ones</a:t>
-            </a:r>
-            <a:endParaRPr lang="en-US" sz="2800" dirty="0">
-              <a:highlight>
-                <a:srgbClr val="008080"/>
-              </a:highlight>
-              <a:latin typeface="Helvetica Neue" panose="02000503000000020004" pitchFamily="2" charset="0"/>
-              <a:ea typeface="Helvetica Neue" panose="02000503000000020004" pitchFamily="2" charset="0"/>
-              <a:cs typeface="Helvetica Neue" panose="02000503000000020004" pitchFamily="2" charset="0"/>
-            </a:endParaRPr>
           </a:p>
         </p:txBody>
       </p:sp>
@@ -12138,8 +12187,8 @@
         </p:blipFill>
         <p:spPr>
           <a:xfrm>
-            <a:off x="866292" y="1912915"/>
-            <a:ext cx="5945326" cy="1593997"/>
+            <a:off x="1524000" y="1810010"/>
+            <a:ext cx="9143999" cy="2450715"/>
           </a:xfrm>
           <a:prstGeom prst="rect">
             <a:avLst/>
@@ -12148,35 +12197,6 @@
           <a:ln>
             <a:noFill/>
           </a:ln>
-        </p:spPr>
-      </p:pic>
-      <p:pic>
-        <p:nvPicPr>
-          <p:cNvPr id="8" name="Picture 7">
-            <a:extLst>
-              <a:ext uri="{FF2B5EF4-FFF2-40B4-BE49-F238E27FC236}">
-                <a16:creationId xmlns:a16="http://schemas.microsoft.com/office/drawing/2014/main" id="{BB87DA8B-75FA-1246-A0F5-6CB7E86ABCC0}"/>
-              </a:ext>
-            </a:extLst>
-          </p:cNvPr>
-          <p:cNvPicPr>
-            <a:picLocks noChangeAspect="1"/>
-          </p:cNvPicPr>
-          <p:nvPr/>
-        </p:nvPicPr>
-        <p:blipFill>
-          <a:blip r:embed="rId4"/>
-          <a:srcRect/>
-          <a:stretch/>
-        </p:blipFill>
-        <p:spPr>
-          <a:xfrm>
-            <a:off x="6860007" y="1224513"/>
-            <a:ext cx="4813762" cy="2968487"/>
-          </a:xfrm>
-          <a:prstGeom prst="rect">
-            <a:avLst/>
-          </a:prstGeom>
         </p:spPr>
       </p:pic>
       <p:grpSp>
@@ -12193,8 +12213,8 @@
         </p:nvGrpSpPr>
         <p:grpSpPr>
           <a:xfrm>
-            <a:off x="1570749" y="4389193"/>
-            <a:ext cx="4536411" cy="1450752"/>
+            <a:off x="1732961" y="4644843"/>
+            <a:ext cx="3705331" cy="1184971"/>
             <a:chOff x="1217974" y="4031153"/>
             <a:chExt cx="4536411" cy="1450752"/>
           </a:xfrm>
@@ -12240,14 +12260,14 @@
             <a:p>
               <a:pPr algn="ctr"/>
               <a:r>
-                <a:rPr lang="en-US" b="1" dirty="0">
+                <a:rPr lang="en-US" sz="1100" b="1" dirty="0">
                   <a:solidFill>
                     <a:schemeClr val="bg1">
                       <a:lumMod val="75000"/>
                     </a:schemeClr>
                   </a:solidFill>
                 </a:rPr>
-                <a:t>Project</a:t>
+                <a:t>Analysis</a:t>
               </a:r>
             </a:p>
           </p:txBody>
@@ -12296,7 +12316,7 @@
             <a:p>
               <a:pPr algn="ctr"/>
               <a:r>
-                <a:rPr lang="en-US" sz="2000" b="1" dirty="0"/>
+                <a:rPr lang="en-US" sz="1600" b="1" dirty="0"/>
                 <a:t>Share Holder</a:t>
               </a:r>
             </a:p>
@@ -12345,387 +12365,837 @@
             <a:p>
               <a:pPr algn="ctr"/>
               <a:r>
-                <a:rPr lang="en-US" sz="2000" b="1" dirty="0"/>
+                <a:rPr lang="en-US" sz="1600" b="1" dirty="0"/>
                 <a:t>Investor</a:t>
               </a:r>
-              <a:endParaRPr lang="en-US" b="1" dirty="0"/>
+              <a:endParaRPr lang="en-US" sz="1100" b="1" dirty="0"/>
             </a:p>
           </p:txBody>
         </p:sp>
       </p:grpSp>
-      <p:sp>
-        <p:nvSpPr>
-          <p:cNvPr id="17" name="Content Placeholder 2">
+      <p:graphicFrame>
+        <p:nvGraphicFramePr>
+          <p:cNvPr id="2" name="Table 1">
             <a:extLst>
               <a:ext uri="{FF2B5EF4-FFF2-40B4-BE49-F238E27FC236}">
-                <a16:creationId xmlns:a16="http://schemas.microsoft.com/office/drawing/2014/main" id="{CF1A8AD8-D29E-724B-85EB-459388DEDDB9}"/>
+                <a16:creationId xmlns:a16="http://schemas.microsoft.com/office/drawing/2014/main" id="{D8CCC561-3BD5-F14A-8576-5C82091C300C}"/>
               </a:ext>
             </a:extLst>
           </p:cNvPr>
-          <p:cNvSpPr txBox="1">
-            <a:spLocks/>
-          </p:cNvSpPr>
-          <p:nvPr/>
-        </p:nvSpPr>
-        <p:spPr>
-          <a:xfrm>
-            <a:off x="7208068" y="4199400"/>
-            <a:ext cx="4117640" cy="1830338"/>
-          </a:xfrm>
-          <a:prstGeom prst="rect">
-            <a:avLst/>
-          </a:prstGeom>
-          <a:noFill/>
-          <a:ln>
-            <a:noFill/>
-          </a:ln>
-        </p:spPr>
-        <p:txBody>
-          <a:bodyPr spcFirstLastPara="1" wrap="square" lIns="91425" tIns="45700" rIns="91425" bIns="45700" anchor="t" anchorCtr="0">
-            <a:normAutofit fontScale="92500"/>
-          </a:bodyPr>
-          <a:lstStyle>
-            <a:defPPr marR="0" lvl="0" algn="l" rtl="0">
-              <a:lnSpc>
-                <a:spcPct val="100000"/>
-              </a:lnSpc>
-              <a:spcBef>
-                <a:spcPts val="0"/>
-              </a:spcBef>
-              <a:spcAft>
-                <a:spcPts val="0"/>
-              </a:spcAft>
-            </a:defPPr>
-            <a:lvl1pPr marL="457200" marR="0" lvl="0" indent="-342900" algn="l" rtl="0">
-              <a:lnSpc>
-                <a:spcPct val="90000"/>
-              </a:lnSpc>
-              <a:spcBef>
-                <a:spcPts val="1000"/>
-              </a:spcBef>
-              <a:spcAft>
-                <a:spcPts val="0"/>
-              </a:spcAft>
-              <a:buClr>
-                <a:schemeClr val="dk1"/>
-              </a:buClr>
-              <a:buSzPts val="1800"/>
-              <a:buFont typeface="Average"/>
-              <a:buChar char="●"/>
-              <a:defRPr sz="2400" b="0" i="0" u="none" strike="noStrike" cap="none">
-                <a:solidFill>
-                  <a:schemeClr val="accent3"/>
-                </a:solidFill>
-                <a:latin typeface="Average"/>
-                <a:ea typeface="Average"/>
-                <a:cs typeface="Average"/>
-                <a:sym typeface="Average"/>
-              </a:defRPr>
-            </a:lvl1pPr>
-            <a:lvl2pPr marL="914400" marR="0" lvl="1" indent="-342900" algn="l" rtl="0">
-              <a:lnSpc>
-                <a:spcPct val="90000"/>
-              </a:lnSpc>
-              <a:spcBef>
-                <a:spcPts val="1600"/>
-              </a:spcBef>
-              <a:spcAft>
-                <a:spcPts val="0"/>
-              </a:spcAft>
-              <a:buClr>
-                <a:schemeClr val="dk1"/>
-              </a:buClr>
-              <a:buSzPts val="1800"/>
-              <a:buFont typeface="Average"/>
-              <a:buChar char="○"/>
-              <a:defRPr sz="1900" b="0" i="0" u="none" strike="noStrike" cap="none">
-                <a:solidFill>
-                  <a:schemeClr val="accent3"/>
-                </a:solidFill>
-                <a:latin typeface="Average"/>
-                <a:ea typeface="Average"/>
-                <a:cs typeface="Average"/>
-                <a:sym typeface="Average"/>
-              </a:defRPr>
-            </a:lvl2pPr>
-            <a:lvl3pPr marL="1371600" marR="0" lvl="2" indent="-342900" algn="l" rtl="0">
-              <a:lnSpc>
-                <a:spcPct val="90000"/>
-              </a:lnSpc>
-              <a:spcBef>
-                <a:spcPts val="1600"/>
-              </a:spcBef>
-              <a:spcAft>
-                <a:spcPts val="0"/>
-              </a:spcAft>
-              <a:buClr>
-                <a:schemeClr val="dk1"/>
-              </a:buClr>
-              <a:buSzPts val="1800"/>
-              <a:buFont typeface="Average"/>
-              <a:buChar char="■"/>
-              <a:defRPr sz="1900" b="0" i="0" u="none" strike="noStrike" cap="none">
-                <a:solidFill>
-                  <a:schemeClr val="accent3"/>
-                </a:solidFill>
-                <a:latin typeface="Average"/>
-                <a:ea typeface="Average"/>
-                <a:cs typeface="Average"/>
-                <a:sym typeface="Average"/>
-              </a:defRPr>
-            </a:lvl3pPr>
-            <a:lvl4pPr marL="1828800" marR="0" lvl="3" indent="-342900" algn="l" rtl="0">
-              <a:lnSpc>
-                <a:spcPct val="90000"/>
-              </a:lnSpc>
-              <a:spcBef>
-                <a:spcPts val="1600"/>
-              </a:spcBef>
-              <a:spcAft>
-                <a:spcPts val="0"/>
-              </a:spcAft>
-              <a:buClr>
-                <a:schemeClr val="dk1"/>
-              </a:buClr>
-              <a:buSzPts val="1800"/>
-              <a:buFont typeface="Average"/>
-              <a:buChar char="●"/>
-              <a:defRPr sz="1900" b="0" i="0" u="none" strike="noStrike" cap="none">
-                <a:solidFill>
-                  <a:schemeClr val="accent3"/>
-                </a:solidFill>
-                <a:latin typeface="Average"/>
-                <a:ea typeface="Average"/>
-                <a:cs typeface="Average"/>
-                <a:sym typeface="Average"/>
-              </a:defRPr>
-            </a:lvl4pPr>
-            <a:lvl5pPr marL="2286000" marR="0" lvl="4" indent="-342900" algn="l" rtl="0">
-              <a:lnSpc>
-                <a:spcPct val="90000"/>
-              </a:lnSpc>
-              <a:spcBef>
-                <a:spcPts val="1600"/>
-              </a:spcBef>
-              <a:spcAft>
-                <a:spcPts val="0"/>
-              </a:spcAft>
-              <a:buClr>
-                <a:schemeClr val="dk1"/>
-              </a:buClr>
-              <a:buSzPts val="1800"/>
-              <a:buFont typeface="Average"/>
-              <a:buChar char="○"/>
-              <a:defRPr sz="1900" b="0" i="0" u="none" strike="noStrike" cap="none">
-                <a:solidFill>
-                  <a:schemeClr val="accent3"/>
-                </a:solidFill>
-                <a:latin typeface="Average"/>
-                <a:ea typeface="Average"/>
-                <a:cs typeface="Average"/>
-                <a:sym typeface="Average"/>
-              </a:defRPr>
-            </a:lvl5pPr>
-            <a:lvl6pPr marL="2743200" marR="0" lvl="5" indent="-342900" algn="l" rtl="0">
-              <a:lnSpc>
-                <a:spcPct val="90000"/>
-              </a:lnSpc>
-              <a:spcBef>
-                <a:spcPts val="1600"/>
-              </a:spcBef>
-              <a:spcAft>
-                <a:spcPts val="0"/>
-              </a:spcAft>
-              <a:buClr>
-                <a:schemeClr val="dk1"/>
-              </a:buClr>
-              <a:buSzPts val="1800"/>
-              <a:buFont typeface="Average"/>
-              <a:buChar char="■"/>
-              <a:defRPr sz="1900" b="0" i="0" u="none" strike="noStrike" cap="none">
-                <a:solidFill>
-                  <a:schemeClr val="accent3"/>
-                </a:solidFill>
-                <a:latin typeface="Average"/>
-                <a:ea typeface="Average"/>
-                <a:cs typeface="Average"/>
-                <a:sym typeface="Average"/>
-              </a:defRPr>
-            </a:lvl6pPr>
-            <a:lvl7pPr marL="3200400" marR="0" lvl="6" indent="-342900" algn="l" rtl="0">
-              <a:lnSpc>
-                <a:spcPct val="90000"/>
-              </a:lnSpc>
-              <a:spcBef>
-                <a:spcPts val="1600"/>
-              </a:spcBef>
-              <a:spcAft>
-                <a:spcPts val="0"/>
-              </a:spcAft>
-              <a:buClr>
-                <a:schemeClr val="dk1"/>
-              </a:buClr>
-              <a:buSzPts val="1800"/>
-              <a:buFont typeface="Average"/>
-              <a:buChar char="●"/>
-              <a:defRPr sz="1900" b="0" i="0" u="none" strike="noStrike" cap="none">
-                <a:solidFill>
-                  <a:schemeClr val="accent3"/>
-                </a:solidFill>
-                <a:latin typeface="Average"/>
-                <a:ea typeface="Average"/>
-                <a:cs typeface="Average"/>
-                <a:sym typeface="Average"/>
-              </a:defRPr>
-            </a:lvl7pPr>
-            <a:lvl8pPr marL="3657600" marR="0" lvl="7" indent="-342900" algn="l" rtl="0">
-              <a:lnSpc>
-                <a:spcPct val="90000"/>
-              </a:lnSpc>
-              <a:spcBef>
-                <a:spcPts val="1600"/>
-              </a:spcBef>
-              <a:spcAft>
-                <a:spcPts val="0"/>
-              </a:spcAft>
-              <a:buClr>
-                <a:schemeClr val="dk1"/>
-              </a:buClr>
-              <a:buSzPts val="1800"/>
-              <a:buFont typeface="Average"/>
-              <a:buChar char="○"/>
-              <a:defRPr sz="1900" b="0" i="0" u="none" strike="noStrike" cap="none">
-                <a:solidFill>
-                  <a:schemeClr val="accent3"/>
-                </a:solidFill>
-                <a:latin typeface="Average"/>
-                <a:ea typeface="Average"/>
-                <a:cs typeface="Average"/>
-                <a:sym typeface="Average"/>
-              </a:defRPr>
-            </a:lvl8pPr>
-            <a:lvl9pPr marL="4114800" marR="0" lvl="8" indent="-342900" algn="l" rtl="0">
-              <a:lnSpc>
-                <a:spcPct val="90000"/>
-              </a:lnSpc>
-              <a:spcBef>
-                <a:spcPts val="1600"/>
-              </a:spcBef>
-              <a:spcAft>
-                <a:spcPts val="1600"/>
-              </a:spcAft>
-              <a:buClr>
-                <a:schemeClr val="dk1"/>
-              </a:buClr>
-              <a:buSzPts val="1800"/>
-              <a:buFont typeface="Average"/>
-              <a:buChar char="■"/>
-              <a:defRPr sz="1900" b="0" i="0" u="none" strike="noStrike" cap="none">
-                <a:solidFill>
-                  <a:schemeClr val="accent3"/>
-                </a:solidFill>
-                <a:latin typeface="Average"/>
-                <a:ea typeface="Average"/>
-                <a:cs typeface="Average"/>
-                <a:sym typeface="Average"/>
-              </a:defRPr>
-            </a:lvl9pPr>
-          </a:lstStyle>
-          <a:p>
-            <a:pPr marL="0" lvl="0" indent="0">
-              <a:lnSpc>
-                <a:spcPct val="160000"/>
-              </a:lnSpc>
-              <a:spcBef>
-                <a:spcPts val="0"/>
-              </a:spcBef>
-              <a:buNone/>
-            </a:pPr>
-            <a:r>
-              <a:rPr lang="en-US" sz="1600" b="1" dirty="0">
-                <a:sym typeface="Helvetica Neue"/>
-              </a:rPr>
-              <a:t>4 crashes we chose to analyze:</a:t>
-            </a:r>
-          </a:p>
-          <a:p>
-            <a:pPr marL="742950" lvl="1" indent="-285750">
-              <a:lnSpc>
-                <a:spcPct val="160000"/>
-              </a:lnSpc>
-              <a:spcBef>
-                <a:spcPts val="0"/>
-              </a:spcBef>
-              <a:buFont typeface="Arial" panose="020B0604020202020204" pitchFamily="34" charset="0"/>
-              <a:buChar char="•"/>
-            </a:pPr>
-            <a:r>
-              <a:rPr lang="en-US" sz="1400" dirty="0">
-                <a:sym typeface="Helvetica Neue"/>
-              </a:rPr>
-              <a:t>Russia vs. Ukraine:                              ongoing</a:t>
-            </a:r>
-          </a:p>
-          <a:p>
-            <a:pPr marL="742950" lvl="1" indent="-285750">
-              <a:lnSpc>
-                <a:spcPct val="160000"/>
-              </a:lnSpc>
-              <a:spcBef>
-                <a:spcPts val="0"/>
-              </a:spcBef>
-              <a:buFont typeface="Arial" panose="020B0604020202020204" pitchFamily="34" charset="0"/>
-              <a:buChar char="•"/>
-            </a:pPr>
-            <a:r>
-              <a:rPr lang="en-US" sz="1400" dirty="0">
-                <a:sym typeface="Helvetica Neue"/>
-              </a:rPr>
-              <a:t>COVID-19:                                         2 months</a:t>
-            </a:r>
-          </a:p>
-          <a:p>
-            <a:pPr marL="742950" lvl="1" indent="-285750">
-              <a:lnSpc>
-                <a:spcPct val="160000"/>
-              </a:lnSpc>
-              <a:spcBef>
-                <a:spcPts val="0"/>
-              </a:spcBef>
-              <a:buFont typeface="Arial" panose="020B0604020202020204" pitchFamily="34" charset="0"/>
-              <a:buChar char="•"/>
-            </a:pPr>
-            <a:r>
-              <a:rPr lang="en-AU" sz="1400" dirty="0"/>
-              <a:t>Global Financial Crisis(</a:t>
-            </a:r>
-            <a:r>
-              <a:rPr lang="en-US" sz="1400" dirty="0">
-                <a:sym typeface="Helvetica Neue"/>
-              </a:rPr>
-              <a:t>GFC):        18 months</a:t>
-            </a:r>
-          </a:p>
-          <a:p>
-            <a:pPr marL="742950" lvl="1" indent="-285750">
-              <a:lnSpc>
-                <a:spcPct val="160000"/>
-              </a:lnSpc>
-              <a:spcBef>
-                <a:spcPts val="0"/>
-              </a:spcBef>
-              <a:buFont typeface="Arial" panose="020B0604020202020204" pitchFamily="34" charset="0"/>
-              <a:buChar char="•"/>
-            </a:pPr>
-            <a:r>
-              <a:rPr lang="en-US" sz="1400" dirty="0">
-                <a:sym typeface="Helvetica Neue"/>
-              </a:rPr>
-              <a:t>Dot-Com bubble:                               8 months</a:t>
-            </a:r>
-          </a:p>
-        </p:txBody>
-      </p:sp>
+          <p:cNvGraphicFramePr>
+            <a:graphicFrameLocks noGrp="1"/>
+          </p:cNvGraphicFramePr>
+          <p:nvPr>
+            <p:extLst>
+              <p:ext uri="{D42A27DB-BD31-4B8C-83A1-F6EECF244321}">
+                <p14:modId xmlns:p14="http://schemas.microsoft.com/office/powerpoint/2010/main" val="3354054391"/>
+              </p:ext>
+            </p:extLst>
+          </p:nvPr>
+        </p:nvGraphicFramePr>
+        <p:xfrm>
+          <a:off x="6274315" y="4770604"/>
+          <a:ext cx="4924907" cy="933450"/>
+        </p:xfrm>
+        <a:graphic>
+          <a:graphicData uri="http://schemas.openxmlformats.org/drawingml/2006/table">
+            <a:tbl>
+              <a:tblPr firstRow="1" firstCol="1" bandRow="1">
+                <a:tableStyleId>{0E3FDE45-AF77-4B5C-9715-49D594BDF05E}</a:tableStyleId>
+              </a:tblPr>
+              <a:tblGrid>
+                <a:gridCol w="2260085">
+                  <a:extLst>
+                    <a:ext uri="{9D8B030D-6E8A-4147-A177-3AD203B41FA5}">
+                      <a16:colId xmlns:a16="http://schemas.microsoft.com/office/drawing/2014/main" val="2218655815"/>
+                    </a:ext>
+                  </a:extLst>
+                </a:gridCol>
+                <a:gridCol w="888274">
+                  <a:extLst>
+                    <a:ext uri="{9D8B030D-6E8A-4147-A177-3AD203B41FA5}">
+                      <a16:colId xmlns:a16="http://schemas.microsoft.com/office/drawing/2014/main" val="3531878973"/>
+                    </a:ext>
+                  </a:extLst>
+                </a:gridCol>
+                <a:gridCol w="992777">
+                  <a:extLst>
+                    <a:ext uri="{9D8B030D-6E8A-4147-A177-3AD203B41FA5}">
+                      <a16:colId xmlns:a16="http://schemas.microsoft.com/office/drawing/2014/main" val="1265717436"/>
+                    </a:ext>
+                  </a:extLst>
+                </a:gridCol>
+                <a:gridCol w="783771">
+                  <a:extLst>
+                    <a:ext uri="{9D8B030D-6E8A-4147-A177-3AD203B41FA5}">
+                      <a16:colId xmlns:a16="http://schemas.microsoft.com/office/drawing/2014/main" val="169785817"/>
+                    </a:ext>
+                  </a:extLst>
+                </a:gridCol>
+              </a:tblGrid>
+              <a:tr h="0">
+                <a:tc>
+                  <a:txBody>
+                    <a:bodyPr/>
+                    <a:lstStyle/>
+                    <a:p>
+                      <a:pPr marL="7938" indent="0" algn="ctr">
+                        <a:spcBef>
+                          <a:spcPts val="300"/>
+                        </a:spcBef>
+                        <a:spcAft>
+                          <a:spcPts val="300"/>
+                        </a:spcAft>
+                        <a:tabLst/>
+                      </a:pPr>
+                      <a:r>
+                        <a:rPr lang="en-AU" sz="1100" b="0" dirty="0">
+                          <a:effectLst/>
+                        </a:rPr>
+                        <a:t>Crash</a:t>
+                      </a:r>
+                      <a:endParaRPr lang="en-AU" sz="1100" b="0" dirty="0">
+                        <a:effectLst/>
+                        <a:latin typeface="Calibri" panose="020F0502020204030204" pitchFamily="34" charset="0"/>
+                        <a:ea typeface="Times New Roman" panose="02020603050405020304" pitchFamily="18" charset="0"/>
+                        <a:cs typeface="Calibri" panose="020F0502020204030204" pitchFamily="34" charset="0"/>
+                      </a:endParaRPr>
+                    </a:p>
+                  </a:txBody>
+                  <a:tcPr marL="25400" marR="25400" marT="0" marB="0" anchor="ctr"/>
+                </a:tc>
+                <a:tc>
+                  <a:txBody>
+                    <a:bodyPr/>
+                    <a:lstStyle/>
+                    <a:p>
+                      <a:pPr marL="50800" marR="0" indent="0" algn="ctr" rtl="0">
+                        <a:lnSpc>
+                          <a:spcPct val="100000"/>
+                        </a:lnSpc>
+                        <a:spcBef>
+                          <a:spcPts val="0"/>
+                        </a:spcBef>
+                        <a:spcAft>
+                          <a:spcPts val="0"/>
+                        </a:spcAft>
+                        <a:buClr>
+                          <a:srgbClr val="000000"/>
+                        </a:buClr>
+                        <a:buFont typeface="Arial"/>
+                        <a:tabLst/>
+                      </a:pPr>
+                      <a:r>
+                        <a:rPr lang="en-AU" sz="1100" b="0" i="0" u="none" strike="noStrike" cap="none" dirty="0">
+                          <a:solidFill>
+                            <a:schemeClr val="tx1"/>
+                          </a:solidFill>
+                          <a:effectLst/>
+                          <a:latin typeface="+mn-lt"/>
+                          <a:ea typeface="+mn-ea"/>
+                          <a:cs typeface="+mn-cs"/>
+                          <a:sym typeface="Arial"/>
+                        </a:rPr>
+                        <a:t>Start Date</a:t>
+                      </a:r>
+                    </a:p>
+                  </a:txBody>
+                  <a:tcPr marL="25400" marR="25400" marT="0" marB="0" anchor="ctr"/>
+                </a:tc>
+                <a:tc>
+                  <a:txBody>
+                    <a:bodyPr/>
+                    <a:lstStyle/>
+                    <a:p>
+                      <a:pPr marL="50800" marR="0" indent="0" algn="ctr" rtl="0">
+                        <a:lnSpc>
+                          <a:spcPct val="100000"/>
+                        </a:lnSpc>
+                        <a:spcBef>
+                          <a:spcPts val="0"/>
+                        </a:spcBef>
+                        <a:spcAft>
+                          <a:spcPts val="0"/>
+                        </a:spcAft>
+                        <a:buClr>
+                          <a:srgbClr val="000000"/>
+                        </a:buClr>
+                        <a:buFont typeface="Arial"/>
+                        <a:tabLst/>
+                      </a:pPr>
+                      <a:r>
+                        <a:rPr lang="en-AU" sz="1100" b="0" i="0" u="none" strike="noStrike" cap="none" dirty="0">
+                          <a:solidFill>
+                            <a:schemeClr val="tx1"/>
+                          </a:solidFill>
+                          <a:effectLst/>
+                          <a:latin typeface="+mn-lt"/>
+                          <a:ea typeface="+mn-ea"/>
+                          <a:cs typeface="+mn-cs"/>
+                          <a:sym typeface="Arial"/>
+                        </a:rPr>
+                        <a:t>End Date</a:t>
+                      </a:r>
+                    </a:p>
+                  </a:txBody>
+                  <a:tcPr marL="25400" marR="25400" marT="0" marB="0" anchor="ctr"/>
+                </a:tc>
+                <a:tc>
+                  <a:txBody>
+                    <a:bodyPr/>
+                    <a:lstStyle/>
+                    <a:p>
+                      <a:pPr marL="50800" marR="0" indent="0" algn="ctr" rtl="0">
+                        <a:lnSpc>
+                          <a:spcPct val="100000"/>
+                        </a:lnSpc>
+                        <a:spcBef>
+                          <a:spcPts val="0"/>
+                        </a:spcBef>
+                        <a:spcAft>
+                          <a:spcPts val="0"/>
+                        </a:spcAft>
+                        <a:buClr>
+                          <a:srgbClr val="000000"/>
+                        </a:buClr>
+                        <a:buFont typeface="Arial"/>
+                        <a:tabLst/>
+                      </a:pPr>
+                      <a:r>
+                        <a:rPr lang="en-AU" sz="1100" b="0" i="0" u="none" strike="noStrike" cap="none" dirty="0">
+                          <a:solidFill>
+                            <a:schemeClr val="tx1"/>
+                          </a:solidFill>
+                          <a:effectLst/>
+                          <a:latin typeface="+mn-lt"/>
+                          <a:ea typeface="+mn-ea"/>
+                          <a:cs typeface="+mn-cs"/>
+                          <a:sym typeface="Arial"/>
+                        </a:rPr>
+                        <a:t>Changes</a:t>
+                      </a:r>
+                    </a:p>
+                  </a:txBody>
+                  <a:tcPr marL="9525" marR="9525" marT="9525" marB="9525" anchor="ctr"/>
+                </a:tc>
+                <a:extLst>
+                  <a:ext uri="{0D108BD9-81ED-4DB2-BD59-A6C34878D82A}">
+                    <a16:rowId xmlns:a16="http://schemas.microsoft.com/office/drawing/2014/main" val="3583564502"/>
+                  </a:ext>
+                </a:extLst>
+              </a:tr>
+              <a:tr h="164465">
+                <a:tc>
+                  <a:txBody>
+                    <a:bodyPr/>
+                    <a:lstStyle/>
+                    <a:p>
+                      <a:pPr marL="50800" indent="0">
+                        <a:tabLst/>
+                      </a:pPr>
+                      <a:r>
+                        <a:rPr lang="en-AU" sz="1100" b="0" dirty="0">
+                          <a:effectLst/>
+                        </a:rPr>
+                        <a:t>2015 August Stock Market Selloff</a:t>
+                      </a:r>
+                      <a:endParaRPr lang="en-AU" sz="1100" b="0" dirty="0">
+                        <a:effectLst/>
+                        <a:latin typeface="Calibri" panose="020F0502020204030204" pitchFamily="34" charset="0"/>
+                        <a:ea typeface="Times New Roman" panose="02020603050405020304" pitchFamily="18" charset="0"/>
+                        <a:cs typeface="Times New Roman" panose="02020603050405020304" pitchFamily="18" charset="0"/>
+                      </a:endParaRPr>
+                    </a:p>
+                  </a:txBody>
+                  <a:tcPr marL="25400" marR="25400" marT="0" marB="0" anchor="ctr"/>
+                </a:tc>
+                <a:tc>
+                  <a:txBody>
+                    <a:bodyPr/>
+                    <a:lstStyle/>
+                    <a:p>
+                      <a:pPr marL="50800" marR="0" indent="0" algn="ctr" rtl="0">
+                        <a:lnSpc>
+                          <a:spcPct val="100000"/>
+                        </a:lnSpc>
+                        <a:spcBef>
+                          <a:spcPts val="0"/>
+                        </a:spcBef>
+                        <a:spcAft>
+                          <a:spcPts val="0"/>
+                        </a:spcAft>
+                        <a:buClr>
+                          <a:srgbClr val="000000"/>
+                        </a:buClr>
+                        <a:buFont typeface="Arial"/>
+                        <a:tabLst/>
+                      </a:pPr>
+                      <a:r>
+                        <a:rPr lang="en-AU" sz="1100" b="0" i="0" u="none" strike="noStrike" cap="none" dirty="0">
+                          <a:solidFill>
+                            <a:schemeClr val="tx1"/>
+                          </a:solidFill>
+                          <a:effectLst/>
+                          <a:latin typeface="+mn-lt"/>
+                          <a:ea typeface="+mn-ea"/>
+                          <a:cs typeface="+mn-cs"/>
+                          <a:sym typeface="Arial"/>
+                        </a:rPr>
+                        <a:t>2015-08-17</a:t>
+                      </a:r>
+                    </a:p>
+                  </a:txBody>
+                  <a:tcPr marL="25400" marR="25400" marT="0" marB="0" anchor="ctr"/>
+                </a:tc>
+                <a:tc>
+                  <a:txBody>
+                    <a:bodyPr/>
+                    <a:lstStyle/>
+                    <a:p>
+                      <a:pPr marL="50800" marR="0" indent="0" algn="ctr" rtl="0">
+                        <a:lnSpc>
+                          <a:spcPct val="100000"/>
+                        </a:lnSpc>
+                        <a:spcBef>
+                          <a:spcPts val="0"/>
+                        </a:spcBef>
+                        <a:spcAft>
+                          <a:spcPts val="0"/>
+                        </a:spcAft>
+                        <a:buClr>
+                          <a:srgbClr val="000000"/>
+                        </a:buClr>
+                        <a:buFont typeface="Arial"/>
+                        <a:tabLst/>
+                      </a:pPr>
+                      <a:r>
+                        <a:rPr lang="en-AU" sz="1100" b="0" i="0" u="none" strike="noStrike" cap="none" dirty="0">
+                          <a:solidFill>
+                            <a:schemeClr val="tx1"/>
+                          </a:solidFill>
+                          <a:effectLst/>
+                          <a:latin typeface="+mn-lt"/>
+                          <a:ea typeface="+mn-ea"/>
+                          <a:cs typeface="+mn-cs"/>
+                          <a:sym typeface="Arial"/>
+                        </a:rPr>
+                        <a:t>2015-11-03</a:t>
+                      </a:r>
+                    </a:p>
+                  </a:txBody>
+                  <a:tcPr marL="25400" marR="25400" marT="0" marB="0" anchor="ctr"/>
+                </a:tc>
+                <a:tc>
+                  <a:txBody>
+                    <a:bodyPr/>
+                    <a:lstStyle/>
+                    <a:p>
+                      <a:pPr marL="50800" marR="0" indent="0" algn="ctr" rtl="0">
+                        <a:lnSpc>
+                          <a:spcPct val="100000"/>
+                        </a:lnSpc>
+                        <a:spcBef>
+                          <a:spcPts val="0"/>
+                        </a:spcBef>
+                        <a:spcAft>
+                          <a:spcPts val="0"/>
+                        </a:spcAft>
+                        <a:buClr>
+                          <a:srgbClr val="000000"/>
+                        </a:buClr>
+                        <a:buFont typeface="Arial"/>
+                        <a:tabLst/>
+                      </a:pPr>
+                      <a:r>
+                        <a:rPr lang="en-AU" sz="1100" b="0" i="0" u="none" strike="noStrike" cap="none" dirty="0">
+                          <a:solidFill>
+                            <a:schemeClr val="tx1"/>
+                          </a:solidFill>
+                          <a:effectLst/>
+                          <a:latin typeface="+mn-lt"/>
+                          <a:ea typeface="+mn-ea"/>
+                          <a:cs typeface="+mn-cs"/>
+                          <a:sym typeface="Arial"/>
+                        </a:rPr>
+                        <a:t>11.17%</a:t>
+                      </a:r>
+                    </a:p>
+                  </a:txBody>
+                  <a:tcPr marL="9525" marR="9525" marT="9525" marB="9525" anchor="ctr"/>
+                </a:tc>
+                <a:extLst>
+                  <a:ext uri="{0D108BD9-81ED-4DB2-BD59-A6C34878D82A}">
+                    <a16:rowId xmlns:a16="http://schemas.microsoft.com/office/drawing/2014/main" val="794640099"/>
+                  </a:ext>
+                </a:extLst>
+              </a:tr>
+              <a:tr h="164465">
+                <a:tc>
+                  <a:txBody>
+                    <a:bodyPr/>
+                    <a:lstStyle/>
+                    <a:p>
+                      <a:pPr marL="50800" indent="0">
+                        <a:tabLst/>
+                      </a:pPr>
+                      <a:r>
+                        <a:rPr lang="en-AU" sz="1100" b="0" dirty="0">
+                          <a:effectLst/>
+                        </a:rPr>
+                        <a:t>Bitcoin Crash</a:t>
+                      </a:r>
+                      <a:endParaRPr lang="en-AU" sz="1100" b="0" dirty="0">
+                        <a:effectLst/>
+                        <a:latin typeface="Calibri" panose="020F0502020204030204" pitchFamily="34" charset="0"/>
+                        <a:ea typeface="Times New Roman" panose="02020603050405020304" pitchFamily="18" charset="0"/>
+                        <a:cs typeface="Times New Roman" panose="02020603050405020304" pitchFamily="18" charset="0"/>
+                      </a:endParaRPr>
+                    </a:p>
+                  </a:txBody>
+                  <a:tcPr marL="25400" marR="25400" marT="0" marB="0" anchor="ctr"/>
+                </a:tc>
+                <a:tc>
+                  <a:txBody>
+                    <a:bodyPr/>
+                    <a:lstStyle/>
+                    <a:p>
+                      <a:pPr marL="50800" marR="0" indent="0" algn="ctr" rtl="0">
+                        <a:lnSpc>
+                          <a:spcPct val="100000"/>
+                        </a:lnSpc>
+                        <a:spcBef>
+                          <a:spcPts val="0"/>
+                        </a:spcBef>
+                        <a:spcAft>
+                          <a:spcPts val="0"/>
+                        </a:spcAft>
+                        <a:buClr>
+                          <a:srgbClr val="000000"/>
+                        </a:buClr>
+                        <a:buFont typeface="Arial"/>
+                        <a:tabLst/>
+                      </a:pPr>
+                      <a:r>
+                        <a:rPr lang="en-AU" sz="1100" b="0" i="0" u="none" strike="noStrike" cap="none" dirty="0">
+                          <a:solidFill>
+                            <a:schemeClr val="tx1"/>
+                          </a:solidFill>
+                          <a:effectLst/>
+                          <a:latin typeface="+mn-lt"/>
+                          <a:ea typeface="+mn-ea"/>
+                          <a:cs typeface="+mn-cs"/>
+                          <a:sym typeface="Arial"/>
+                        </a:rPr>
+                        <a:t>2018-09-20</a:t>
+                      </a:r>
+                    </a:p>
+                  </a:txBody>
+                  <a:tcPr marL="25400" marR="25400" marT="0" marB="0" anchor="ctr"/>
+                </a:tc>
+                <a:tc>
+                  <a:txBody>
+                    <a:bodyPr/>
+                    <a:lstStyle/>
+                    <a:p>
+                      <a:pPr marL="50800" marR="0" indent="0" algn="ctr" rtl="0">
+                        <a:lnSpc>
+                          <a:spcPct val="100000"/>
+                        </a:lnSpc>
+                        <a:spcBef>
+                          <a:spcPts val="0"/>
+                        </a:spcBef>
+                        <a:spcAft>
+                          <a:spcPts val="0"/>
+                        </a:spcAft>
+                        <a:buClr>
+                          <a:srgbClr val="000000"/>
+                        </a:buClr>
+                        <a:buFont typeface="Arial"/>
+                        <a:tabLst/>
+                      </a:pPr>
+                      <a:r>
+                        <a:rPr lang="en-AU" sz="1100" b="0" i="0" u="none" strike="noStrike" cap="none" dirty="0">
+                          <a:solidFill>
+                            <a:schemeClr val="tx1"/>
+                          </a:solidFill>
+                          <a:effectLst/>
+                          <a:latin typeface="+mn-lt"/>
+                          <a:ea typeface="+mn-ea"/>
+                          <a:cs typeface="+mn-cs"/>
+                          <a:sym typeface="Arial"/>
+                        </a:rPr>
+                        <a:t>2019-04-23</a:t>
+                      </a:r>
+                    </a:p>
+                  </a:txBody>
+                  <a:tcPr marL="25400" marR="25400" marT="0" marB="0" anchor="ctr"/>
+                </a:tc>
+                <a:tc>
+                  <a:txBody>
+                    <a:bodyPr/>
+                    <a:lstStyle/>
+                    <a:p>
+                      <a:pPr marL="50800" marR="0" indent="0" algn="ctr" rtl="0">
+                        <a:lnSpc>
+                          <a:spcPct val="100000"/>
+                        </a:lnSpc>
+                        <a:spcBef>
+                          <a:spcPts val="0"/>
+                        </a:spcBef>
+                        <a:spcAft>
+                          <a:spcPts val="0"/>
+                        </a:spcAft>
+                        <a:buClr>
+                          <a:srgbClr val="000000"/>
+                        </a:buClr>
+                        <a:buFont typeface="Arial"/>
+                        <a:tabLst/>
+                      </a:pPr>
+                      <a:r>
+                        <a:rPr lang="en-AU" sz="1100" b="0" i="0" u="none" strike="noStrike" cap="none" dirty="0">
+                          <a:solidFill>
+                            <a:schemeClr val="tx1"/>
+                          </a:solidFill>
+                          <a:effectLst/>
+                          <a:latin typeface="+mn-lt"/>
+                          <a:ea typeface="+mn-ea"/>
+                          <a:cs typeface="+mn-cs"/>
+                          <a:sym typeface="Arial"/>
+                        </a:rPr>
+                        <a:t>19.15%</a:t>
+                      </a:r>
+                    </a:p>
+                  </a:txBody>
+                  <a:tcPr marL="9525" marR="9525" marT="9525" marB="9525" anchor="ctr"/>
+                </a:tc>
+                <a:extLst>
+                  <a:ext uri="{0D108BD9-81ED-4DB2-BD59-A6C34878D82A}">
+                    <a16:rowId xmlns:a16="http://schemas.microsoft.com/office/drawing/2014/main" val="3011506672"/>
+                  </a:ext>
+                </a:extLst>
+              </a:tr>
+              <a:tr h="164465">
+                <a:tc>
+                  <a:txBody>
+                    <a:bodyPr/>
+                    <a:lstStyle/>
+                    <a:p>
+                      <a:pPr marL="50800" marR="0" indent="0" algn="l" rtl="0">
+                        <a:lnSpc>
+                          <a:spcPct val="100000"/>
+                        </a:lnSpc>
+                        <a:spcBef>
+                          <a:spcPts val="0"/>
+                        </a:spcBef>
+                        <a:spcAft>
+                          <a:spcPts val="0"/>
+                        </a:spcAft>
+                        <a:buClr>
+                          <a:srgbClr val="000000"/>
+                        </a:buClr>
+                        <a:buFont typeface="Arial"/>
+                        <a:tabLst/>
+                      </a:pPr>
+                      <a:r>
+                        <a:rPr lang="en-AU" sz="1100" b="0" i="0" u="none" strike="noStrike" cap="none" dirty="0">
+                          <a:solidFill>
+                            <a:schemeClr val="tx1"/>
+                          </a:solidFill>
+                          <a:effectLst/>
+                          <a:latin typeface="+mn-lt"/>
+                          <a:ea typeface="+mn-ea"/>
+                          <a:cs typeface="+mn-cs"/>
+                          <a:sym typeface="Arial"/>
+                        </a:rPr>
+                        <a:t>Covid - 19</a:t>
+                      </a:r>
+                    </a:p>
+                  </a:txBody>
+                  <a:tcPr marL="25400" marR="25400" marT="0" marB="0" anchor="ctr"/>
+                </a:tc>
+                <a:tc>
+                  <a:txBody>
+                    <a:bodyPr/>
+                    <a:lstStyle/>
+                    <a:p>
+                      <a:pPr marL="50800" marR="0" indent="0" algn="ctr" rtl="0">
+                        <a:lnSpc>
+                          <a:spcPct val="100000"/>
+                        </a:lnSpc>
+                        <a:spcBef>
+                          <a:spcPts val="0"/>
+                        </a:spcBef>
+                        <a:spcAft>
+                          <a:spcPts val="0"/>
+                        </a:spcAft>
+                        <a:buClr>
+                          <a:srgbClr val="000000"/>
+                        </a:buClr>
+                        <a:buFont typeface="Arial"/>
+                        <a:tabLst/>
+                      </a:pPr>
+                      <a:r>
+                        <a:rPr lang="en-AU" sz="1100" b="0" i="0" u="none" strike="noStrike" cap="none" dirty="0">
+                          <a:solidFill>
+                            <a:schemeClr val="tx1"/>
+                          </a:solidFill>
+                          <a:effectLst/>
+                          <a:latin typeface="+mn-lt"/>
+                          <a:ea typeface="+mn-ea"/>
+                          <a:cs typeface="+mn-cs"/>
+                          <a:sym typeface="Arial"/>
+                        </a:rPr>
+                        <a:t>2020-02-19</a:t>
+                      </a:r>
+                    </a:p>
+                  </a:txBody>
+                  <a:tcPr marL="25400" marR="25400" marT="0" marB="0" anchor="ctr"/>
+                </a:tc>
+                <a:tc>
+                  <a:txBody>
+                    <a:bodyPr/>
+                    <a:lstStyle/>
+                    <a:p>
+                      <a:pPr marL="50800" marR="0" indent="0" algn="ctr" rtl="0">
+                        <a:lnSpc>
+                          <a:spcPct val="100000"/>
+                        </a:lnSpc>
+                        <a:spcBef>
+                          <a:spcPts val="0"/>
+                        </a:spcBef>
+                        <a:spcAft>
+                          <a:spcPts val="0"/>
+                        </a:spcAft>
+                        <a:buClr>
+                          <a:srgbClr val="000000"/>
+                        </a:buClr>
+                        <a:buFont typeface="Arial"/>
+                        <a:tabLst/>
+                      </a:pPr>
+                      <a:r>
+                        <a:rPr lang="en-AU" sz="1100" b="0" i="0" u="none" strike="noStrike" cap="none" dirty="0">
+                          <a:solidFill>
+                            <a:schemeClr val="tx1"/>
+                          </a:solidFill>
+                          <a:effectLst/>
+                          <a:latin typeface="+mn-lt"/>
+                          <a:ea typeface="+mn-ea"/>
+                          <a:cs typeface="+mn-cs"/>
+                          <a:sym typeface="Arial"/>
+                        </a:rPr>
+                        <a:t>2020-08-18</a:t>
+                      </a:r>
+                    </a:p>
+                  </a:txBody>
+                  <a:tcPr marL="25400" marR="25400" marT="0" marB="0" anchor="ctr"/>
+                </a:tc>
+                <a:tc>
+                  <a:txBody>
+                    <a:bodyPr/>
+                    <a:lstStyle/>
+                    <a:p>
+                      <a:pPr marL="50800" marR="0" indent="0" algn="ctr" rtl="0">
+                        <a:lnSpc>
+                          <a:spcPct val="100000"/>
+                        </a:lnSpc>
+                        <a:spcBef>
+                          <a:spcPts val="0"/>
+                        </a:spcBef>
+                        <a:spcAft>
+                          <a:spcPts val="0"/>
+                        </a:spcAft>
+                        <a:buClr>
+                          <a:srgbClr val="000000"/>
+                        </a:buClr>
+                        <a:buFont typeface="Arial"/>
+                        <a:tabLst/>
+                      </a:pPr>
+                      <a:r>
+                        <a:rPr lang="en-AU" sz="1100" b="0" i="0" u="none" strike="noStrike" cap="none" dirty="0">
+                          <a:solidFill>
+                            <a:schemeClr val="tx1"/>
+                          </a:solidFill>
+                          <a:effectLst/>
+                          <a:latin typeface="+mn-lt"/>
+                          <a:ea typeface="+mn-ea"/>
+                          <a:cs typeface="+mn-cs"/>
+                          <a:sym typeface="Arial"/>
+                        </a:rPr>
+                        <a:t>33.92%</a:t>
+                      </a:r>
+                    </a:p>
+                  </a:txBody>
+                  <a:tcPr marL="9525" marR="9525" marT="9525" marB="9525" anchor="ctr"/>
+                </a:tc>
+                <a:extLst>
+                  <a:ext uri="{0D108BD9-81ED-4DB2-BD59-A6C34878D82A}">
+                    <a16:rowId xmlns:a16="http://schemas.microsoft.com/office/drawing/2014/main" val="3122694986"/>
+                  </a:ext>
+                </a:extLst>
+              </a:tr>
+              <a:tr h="164465">
+                <a:tc>
+                  <a:txBody>
+                    <a:bodyPr/>
+                    <a:lstStyle/>
+                    <a:p>
+                      <a:pPr marL="50800" marR="0" indent="0" algn="l" rtl="0">
+                        <a:lnSpc>
+                          <a:spcPct val="100000"/>
+                        </a:lnSpc>
+                        <a:spcBef>
+                          <a:spcPts val="0"/>
+                        </a:spcBef>
+                        <a:spcAft>
+                          <a:spcPts val="0"/>
+                        </a:spcAft>
+                        <a:buClr>
+                          <a:srgbClr val="000000"/>
+                        </a:buClr>
+                        <a:buFont typeface="Arial"/>
+                        <a:tabLst/>
+                      </a:pPr>
+                      <a:r>
+                        <a:rPr lang="en-AU" sz="1100" b="0" i="0" u="none" strike="noStrike" cap="none" dirty="0">
+                          <a:solidFill>
+                            <a:schemeClr val="tx1"/>
+                          </a:solidFill>
+                          <a:effectLst/>
+                          <a:latin typeface="+mn-lt"/>
+                          <a:ea typeface="+mn-ea"/>
+                          <a:cs typeface="+mn-cs"/>
+                          <a:sym typeface="Arial"/>
+                        </a:rPr>
+                        <a:t>Russian Invasion of Ukraine</a:t>
+                      </a:r>
+                    </a:p>
+                  </a:txBody>
+                  <a:tcPr marL="25400" marR="25400" marT="0" marB="0" anchor="ctr"/>
+                </a:tc>
+                <a:tc>
+                  <a:txBody>
+                    <a:bodyPr/>
+                    <a:lstStyle/>
+                    <a:p>
+                      <a:pPr marL="50800" marR="0" indent="0" algn="ctr" rtl="0">
+                        <a:lnSpc>
+                          <a:spcPct val="100000"/>
+                        </a:lnSpc>
+                        <a:spcBef>
+                          <a:spcPts val="0"/>
+                        </a:spcBef>
+                        <a:spcAft>
+                          <a:spcPts val="0"/>
+                        </a:spcAft>
+                        <a:buClr>
+                          <a:srgbClr val="000000"/>
+                        </a:buClr>
+                        <a:buFont typeface="Arial"/>
+                        <a:tabLst/>
+                      </a:pPr>
+                      <a:r>
+                        <a:rPr lang="en-AU" sz="1100" b="0" i="0" u="none" strike="noStrike" cap="none" dirty="0">
+                          <a:solidFill>
+                            <a:schemeClr val="tx1"/>
+                          </a:solidFill>
+                          <a:effectLst/>
+                          <a:latin typeface="+mn-lt"/>
+                          <a:ea typeface="+mn-ea"/>
+                          <a:cs typeface="+mn-cs"/>
+                          <a:sym typeface="Arial"/>
+                        </a:rPr>
+                        <a:t>2022-02-09</a:t>
+                      </a:r>
+                    </a:p>
+                  </a:txBody>
+                  <a:tcPr marL="25400" marR="25400" marT="0" marB="0" anchor="ctr"/>
+                </a:tc>
+                <a:tc>
+                  <a:txBody>
+                    <a:bodyPr/>
+                    <a:lstStyle/>
+                    <a:p>
+                      <a:pPr marL="50800" marR="0" indent="0" algn="ctr" rtl="0">
+                        <a:lnSpc>
+                          <a:spcPct val="100000"/>
+                        </a:lnSpc>
+                        <a:spcBef>
+                          <a:spcPts val="0"/>
+                        </a:spcBef>
+                        <a:spcAft>
+                          <a:spcPts val="0"/>
+                        </a:spcAft>
+                        <a:buClr>
+                          <a:srgbClr val="000000"/>
+                        </a:buClr>
+                        <a:buFont typeface="Arial"/>
+                        <a:tabLst/>
+                      </a:pPr>
+                      <a:r>
+                        <a:rPr lang="en-AU" sz="1100" b="0" i="0" u="none" strike="noStrike" cap="none" dirty="0">
+                          <a:solidFill>
+                            <a:schemeClr val="tx1"/>
+                          </a:solidFill>
+                          <a:effectLst/>
+                          <a:latin typeface="+mn-lt"/>
+                          <a:ea typeface="+mn-ea"/>
+                          <a:cs typeface="+mn-cs"/>
+                          <a:sym typeface="Arial"/>
+                        </a:rPr>
+                        <a:t>2022-03-29</a:t>
+                      </a:r>
+                    </a:p>
+                  </a:txBody>
+                  <a:tcPr marL="25400" marR="25400" marT="0" marB="0" anchor="ctr"/>
+                </a:tc>
+                <a:tc>
+                  <a:txBody>
+                    <a:bodyPr/>
+                    <a:lstStyle/>
+                    <a:p>
+                      <a:pPr marL="50800" marR="0" indent="0" algn="ctr" rtl="0">
+                        <a:lnSpc>
+                          <a:spcPct val="100000"/>
+                        </a:lnSpc>
+                        <a:spcBef>
+                          <a:spcPts val="0"/>
+                        </a:spcBef>
+                        <a:spcAft>
+                          <a:spcPts val="0"/>
+                        </a:spcAft>
+                        <a:buClr>
+                          <a:srgbClr val="000000"/>
+                        </a:buClr>
+                        <a:buFont typeface="Arial"/>
+                        <a:tabLst/>
+                      </a:pPr>
+                      <a:r>
+                        <a:rPr lang="en-AU" sz="1100" b="0" i="0" u="none" strike="noStrike" cap="none" dirty="0">
+                          <a:solidFill>
+                            <a:schemeClr val="tx1"/>
+                          </a:solidFill>
+                          <a:effectLst/>
+                          <a:latin typeface="+mn-lt"/>
+                          <a:ea typeface="+mn-ea"/>
+                          <a:cs typeface="+mn-cs"/>
+                          <a:sym typeface="Arial"/>
+                        </a:rPr>
+                        <a:t>9.08%</a:t>
+                      </a:r>
+                    </a:p>
+                  </a:txBody>
+                  <a:tcPr marL="9525" marR="9525" marT="9525" marB="9525" anchor="ctr"/>
+                </a:tc>
+                <a:extLst>
+                  <a:ext uri="{0D108BD9-81ED-4DB2-BD59-A6C34878D82A}">
+                    <a16:rowId xmlns:a16="http://schemas.microsoft.com/office/drawing/2014/main" val="3166747518"/>
+                  </a:ext>
+                </a:extLst>
+              </a:tr>
+            </a:tbl>
+          </a:graphicData>
+        </a:graphic>
+      </p:graphicFrame>
     </p:spTree>
     <p:extLst>
       <p:ext uri="{BB962C8B-B14F-4D97-AF65-F5344CB8AC3E}">
